--- a/CG23-Github_Copilot_U_Hackathon.pptx
+++ b/CG23-Github_Copilot_U_Hackathon.pptx
@@ -4937,6 +4937,49 @@
           </a:prstGeom>
         </p:spPr>
       </p:pic>
+      <p:sp>
+        <p:nvSpPr>
+          <p:cNvPr id="5" name="TextBox 4">
+            <a:extLst>
+              <a:ext uri="{FF2B5EF4-FFF2-40B4-BE49-F238E27FC236}">
+                <a16:creationId xmlns:a16="http://schemas.microsoft.com/office/drawing/2014/main" id="{55084611-EB5F-3BCA-4673-B1C7A62BDA33}"/>
+              </a:ext>
+            </a:extLst>
+          </p:cNvPr>
+          <p:cNvSpPr txBox="1"/>
+          <p:nvPr/>
+        </p:nvSpPr>
+        <p:spPr>
+          <a:xfrm>
+            <a:off x="611560" y="2060848"/>
+            <a:ext cx="7776864" cy="568745"/>
+          </a:xfrm>
+          <a:prstGeom prst="rect">
+            <a:avLst/>
+          </a:prstGeom>
+          <a:noFill/>
+        </p:spPr>
+        <p:txBody>
+          <a:bodyPr wrap="square" rtlCol="0">
+            <a:spAutoFit/>
+          </a:bodyPr>
+          <a:lstStyle/>
+          <a:p>
+            <a:pPr marL="285750" indent="-285750">
+              <a:lnSpc>
+                <a:spcPct val="200000"/>
+              </a:lnSpc>
+              <a:buFont typeface="Arial" panose="020B0604020202020204" pitchFamily="34" charset="0"/>
+              <a:buChar char="•"/>
+            </a:pPr>
+            <a:r>
+              <a:rPr lang="en-US"/>
+              <a:t>https://github.com/ambarishg/github_hack</a:t>
+            </a:r>
+            <a:endParaRPr lang="en-US" dirty="0"/>
+          </a:p>
+        </p:txBody>
+      </p:sp>
     </p:spTree>
     <p:extLst>
       <p:ext uri="{BB962C8B-B14F-4D97-AF65-F5344CB8AC3E}">
